--- a/lecture 7/Lecture 7 - Mobile Application Development.pptx
+++ b/lecture 7/Lecture 7 - Mobile Application Development.pptx
@@ -211,7 +211,7 @@
           <a:p>
             <a:fld id="{A3C2A6A4-4365-4DD8-8CB7-3A4F849F3EAA}" type="datetimeFigureOut">
               <a:rPr lang="en-GB" smtClean="0"/>
-              <a:t>22/09/2019</a:t>
+              <a:t>29/11/2019</a:t>
             </a:fld>
             <a:endParaRPr lang="en-GB"/>
           </a:p>
@@ -1461,7 +1461,7 @@
           <a:p>
             <a:fld id="{B5906FF8-4769-4691-A860-171D2AFB3E65}" type="datetimeFigureOut">
               <a:rPr lang="en-GB" smtClean="0"/>
-              <a:t>22/09/2019</a:t>
+              <a:t>29/11/2019</a:t>
             </a:fld>
             <a:endParaRPr lang="en-GB"/>
           </a:p>
@@ -1669,7 +1669,7 @@
           <a:p>
             <a:fld id="{B5906FF8-4769-4691-A860-171D2AFB3E65}" type="datetimeFigureOut">
               <a:rPr lang="en-GB" smtClean="0"/>
-              <a:t>22/09/2019</a:t>
+              <a:t>29/11/2019</a:t>
             </a:fld>
             <a:endParaRPr lang="en-GB"/>
           </a:p>
@@ -1925,7 +1925,7 @@
           <a:p>
             <a:fld id="{B5906FF8-4769-4691-A860-171D2AFB3E65}" type="datetimeFigureOut">
               <a:rPr lang="en-GB" smtClean="0"/>
-              <a:t>22/09/2019</a:t>
+              <a:t>29/11/2019</a:t>
             </a:fld>
             <a:endParaRPr lang="en-GB"/>
           </a:p>
@@ -2099,7 +2099,7 @@
           <a:p>
             <a:fld id="{B5906FF8-4769-4691-A860-171D2AFB3E65}" type="datetimeFigureOut">
               <a:rPr lang="en-GB" smtClean="0"/>
-              <a:t>22/09/2019</a:t>
+              <a:t>29/11/2019</a:t>
             </a:fld>
             <a:endParaRPr lang="en-GB"/>
           </a:p>
@@ -2442,7 +2442,7 @@
           <a:p>
             <a:fld id="{B5906FF8-4769-4691-A860-171D2AFB3E65}" type="datetimeFigureOut">
               <a:rPr lang="en-GB" smtClean="0"/>
-              <a:t>22/09/2019</a:t>
+              <a:t>29/11/2019</a:t>
             </a:fld>
             <a:endParaRPr lang="en-GB"/>
           </a:p>
@@ -2717,7 +2717,7 @@
           <a:p>
             <a:fld id="{B5906FF8-4769-4691-A860-171D2AFB3E65}" type="datetimeFigureOut">
               <a:rPr lang="en-GB" smtClean="0"/>
-              <a:t>22/09/2019</a:t>
+              <a:t>29/11/2019</a:t>
             </a:fld>
             <a:endParaRPr lang="en-GB"/>
           </a:p>
@@ -3096,7 +3096,7 @@
           <a:p>
             <a:fld id="{B5906FF8-4769-4691-A860-171D2AFB3E65}" type="datetimeFigureOut">
               <a:rPr lang="en-GB" smtClean="0"/>
-              <a:t>22/09/2019</a:t>
+              <a:t>29/11/2019</a:t>
             </a:fld>
             <a:endParaRPr lang="en-GB"/>
           </a:p>
@@ -3214,7 +3214,7 @@
           <a:p>
             <a:fld id="{B5906FF8-4769-4691-A860-171D2AFB3E65}" type="datetimeFigureOut">
               <a:rPr lang="en-GB" smtClean="0"/>
-              <a:t>22/09/2019</a:t>
+              <a:t>29/11/2019</a:t>
             </a:fld>
             <a:endParaRPr lang="en-GB"/>
           </a:p>
@@ -3385,7 +3385,7 @@
           <a:p>
             <a:fld id="{B5906FF8-4769-4691-A860-171D2AFB3E65}" type="datetimeFigureOut">
               <a:rPr lang="en-GB" smtClean="0"/>
-              <a:t>22/09/2019</a:t>
+              <a:t>29/11/2019</a:t>
             </a:fld>
             <a:endParaRPr lang="en-GB"/>
           </a:p>
@@ -3739,7 +3739,7 @@
           <a:p>
             <a:fld id="{B5906FF8-4769-4691-A860-171D2AFB3E65}" type="datetimeFigureOut">
               <a:rPr lang="en-GB" smtClean="0"/>
-              <a:t>22/09/2019</a:t>
+              <a:t>29/11/2019</a:t>
             </a:fld>
             <a:endParaRPr lang="en-GB"/>
           </a:p>
@@ -4121,7 +4121,7 @@
           <a:p>
             <a:fld id="{B5906FF8-4769-4691-A860-171D2AFB3E65}" type="datetimeFigureOut">
               <a:rPr lang="en-GB" smtClean="0"/>
-              <a:t>22/09/2019</a:t>
+              <a:t>29/11/2019</a:t>
             </a:fld>
             <a:endParaRPr lang="en-GB"/>
           </a:p>
@@ -4408,7 +4408,7 @@
           <a:p>
             <a:fld id="{B5906FF8-4769-4691-A860-171D2AFB3E65}" type="datetimeFigureOut">
               <a:rPr lang="en-GB" smtClean="0"/>
-              <a:t>22/09/2019</a:t>
+              <a:t>29/11/2019</a:t>
             </a:fld>
             <a:endParaRPr lang="en-GB"/>
           </a:p>
@@ -5077,16 +5077,6 @@
               </a:rPr>
               <a:t>"Some people make your laugh a little louder, your smile a little brighter and your life a little better. Try to be one of those people."</a:t>
             </a:r>
-            <a:r>
-              <a:rPr lang="en-GB" sz="3200" dirty="0">
-                <a:solidFill>
-                  <a:schemeClr val="bg1">
-                    <a:lumMod val="50000"/>
-                  </a:schemeClr>
-                </a:solidFill>
-              </a:rPr>
-              <a:t/>
-            </a:r>
             <a:br>
               <a:rPr lang="en-GB" sz="3200" dirty="0">
                 <a:solidFill>
@@ -5730,7 +5720,7 @@
             </a:r>
             <a:r>
               <a:rPr lang="en-US" dirty="0" smtClean="0"/>
-              <a:t> Code becomes harder to read.</a:t>
+              <a:t> Code becomes easier to read.</a:t>
             </a:r>
           </a:p>
           <a:p>
